--- a/slides/GED_Python_Workgroup_2018_01_30.pptx
+++ b/slides/GED_Python_Workgroup_2018_01_30.pptx
@@ -2,12 +2,11 @@
 <file path=ppt/presentation.xml><?xml version="1.0" encoding="utf-8"?>
 <p:presentation xmlns:a="http://schemas.openxmlformats.org/drawingml/2006/main" xmlns:r="http://schemas.openxmlformats.org/officeDocument/2006/relationships" xmlns:p="http://schemas.openxmlformats.org/presentationml/2006/main" saveSubsetFonts="1">
   <p:sldMasterIdLst>
-    <p:sldMasterId id="2147483648" r:id="rId3"/>
+    <p:sldMasterId id="2147483648" r:id="rId5"/>
   </p:sldMasterIdLst>
   <p:sldIdLst>
-    <p:sldId id="259" r:id="rId4"/>
-    <p:sldId id="257" r:id="rId5"/>
-    <p:sldId id="258" r:id="rId6"/>
+    <p:sldId id="259" r:id="rId6"/>
+    <p:sldId id="257" r:id="rId7"/>
   </p:sldIdLst>
   <p:sldSz cx="12192000" cy="6858000"/>
   <p:notesSz cx="6858000" cy="9144000"/>
@@ -170,7 +169,6 @@
               <a:rPr lang="en-US"/>
               <a:t>Click to edit Master title style</a:t>
             </a:r>
-            <a:endParaRPr lang="en-US"/>
           </a:p>
         </p:txBody>
       </p:sp>
@@ -235,7 +233,6 @@
               <a:rPr lang="en-US"/>
               <a:t>Click to edit Master subtitle style</a:t>
             </a:r>
-            <a:endParaRPr lang="en-US"/>
           </a:p>
         </p:txBody>
       </p:sp>
@@ -256,7 +253,7 @@
           <a:p>
             <a:fld id="{7DF99CB8-1861-4D58-80E9-97AC97A2BDB3}" type="datetimeFigureOut">
               <a:rPr lang="en-US" smtClean="0"/>
-              <a:t>1/19/2018</a:t>
+              <a:t>1/25/2018</a:t>
             </a:fld>
             <a:endParaRPr lang="en-US"/>
           </a:p>
@@ -353,7 +350,6 @@
               <a:rPr lang="en-US"/>
               <a:t>Click to edit Master title style</a:t>
             </a:r>
-            <a:endParaRPr lang="en-US"/>
           </a:p>
         </p:txBody>
       </p:sp>
@@ -405,7 +401,6 @@
               <a:rPr lang="en-US"/>
               <a:t>Fifth level</a:t>
             </a:r>
-            <a:endParaRPr lang="en-US"/>
           </a:p>
         </p:txBody>
       </p:sp>
@@ -426,7 +421,7 @@
           <a:p>
             <a:fld id="{7DF99CB8-1861-4D58-80E9-97AC97A2BDB3}" type="datetimeFigureOut">
               <a:rPr lang="en-US" smtClean="0"/>
-              <a:t>1/19/2018</a:t>
+              <a:t>1/25/2018</a:t>
             </a:fld>
             <a:endParaRPr lang="en-US"/>
           </a:p>
@@ -528,7 +523,6 @@
               <a:rPr lang="en-US"/>
               <a:t>Click to edit Master title style</a:t>
             </a:r>
-            <a:endParaRPr lang="en-US"/>
           </a:p>
         </p:txBody>
       </p:sp>
@@ -585,7 +579,6 @@
               <a:rPr lang="en-US"/>
               <a:t>Fifth level</a:t>
             </a:r>
-            <a:endParaRPr lang="en-US"/>
           </a:p>
         </p:txBody>
       </p:sp>
@@ -606,7 +599,7 @@
           <a:p>
             <a:fld id="{7DF99CB8-1861-4D58-80E9-97AC97A2BDB3}" type="datetimeFigureOut">
               <a:rPr lang="en-US" smtClean="0"/>
-              <a:t>1/19/2018</a:t>
+              <a:t>1/25/2018</a:t>
             </a:fld>
             <a:endParaRPr lang="en-US"/>
           </a:p>
@@ -703,7 +696,6 @@
               <a:rPr lang="en-US"/>
               <a:t>Click to edit Master title style</a:t>
             </a:r>
-            <a:endParaRPr lang="en-US"/>
           </a:p>
         </p:txBody>
       </p:sp>
@@ -755,7 +747,6 @@
               <a:rPr lang="en-US"/>
               <a:t>Fifth level</a:t>
             </a:r>
-            <a:endParaRPr lang="en-US"/>
           </a:p>
         </p:txBody>
       </p:sp>
@@ -776,7 +767,7 @@
           <a:p>
             <a:fld id="{7DF99CB8-1861-4D58-80E9-97AC97A2BDB3}" type="datetimeFigureOut">
               <a:rPr lang="en-US" smtClean="0"/>
-              <a:t>1/19/2018</a:t>
+              <a:t>1/25/2018</a:t>
             </a:fld>
             <a:endParaRPr lang="en-US"/>
           </a:p>
@@ -882,7 +873,6 @@
               <a:rPr lang="en-US"/>
               <a:t>Click to edit Master title style</a:t>
             </a:r>
-            <a:endParaRPr lang="en-US"/>
           </a:p>
         </p:txBody>
       </p:sp>
@@ -1022,7 +1012,7 @@
           <a:p>
             <a:fld id="{7DF99CB8-1861-4D58-80E9-97AC97A2BDB3}" type="datetimeFigureOut">
               <a:rPr lang="en-US" smtClean="0"/>
-              <a:t>1/19/2018</a:t>
+              <a:t>1/25/2018</a:t>
             </a:fld>
             <a:endParaRPr lang="en-US"/>
           </a:p>
@@ -1119,7 +1109,6 @@
               <a:rPr lang="en-US"/>
               <a:t>Click to edit Master title style</a:t>
             </a:r>
-            <a:endParaRPr lang="en-US"/>
           </a:p>
         </p:txBody>
       </p:sp>
@@ -1176,7 +1165,6 @@
               <a:rPr lang="en-US"/>
               <a:t>Fifth level</a:t>
             </a:r>
-            <a:endParaRPr lang="en-US"/>
           </a:p>
         </p:txBody>
       </p:sp>
@@ -1233,7 +1221,6 @@
               <a:rPr lang="en-US"/>
               <a:t>Fifth level</a:t>
             </a:r>
-            <a:endParaRPr lang="en-US"/>
           </a:p>
         </p:txBody>
       </p:sp>
@@ -1254,7 +1241,7 @@
           <a:p>
             <a:fld id="{7DF99CB8-1861-4D58-80E9-97AC97A2BDB3}" type="datetimeFigureOut">
               <a:rPr lang="en-US" smtClean="0"/>
-              <a:t>1/19/2018</a:t>
+              <a:t>1/25/2018</a:t>
             </a:fld>
             <a:endParaRPr lang="en-US"/>
           </a:p>
@@ -1356,7 +1343,6 @@
               <a:rPr lang="en-US"/>
               <a:t>Click to edit Master title style</a:t>
             </a:r>
-            <a:endParaRPr lang="en-US"/>
           </a:p>
         </p:txBody>
       </p:sp>
@@ -1478,7 +1464,6 @@
               <a:rPr lang="en-US"/>
               <a:t>Fifth level</a:t>
             </a:r>
-            <a:endParaRPr lang="en-US"/>
           </a:p>
         </p:txBody>
       </p:sp>
@@ -1600,7 +1585,6 @@
               <a:rPr lang="en-US"/>
               <a:t>Fifth level</a:t>
             </a:r>
-            <a:endParaRPr lang="en-US"/>
           </a:p>
         </p:txBody>
       </p:sp>
@@ -1621,7 +1605,7 @@
           <a:p>
             <a:fld id="{7DF99CB8-1861-4D58-80E9-97AC97A2BDB3}" type="datetimeFigureOut">
               <a:rPr lang="en-US" smtClean="0"/>
-              <a:t>1/19/2018</a:t>
+              <a:t>1/25/2018</a:t>
             </a:fld>
             <a:endParaRPr lang="en-US"/>
           </a:p>
@@ -1718,7 +1702,6 @@
               <a:rPr lang="en-US"/>
               <a:t>Click to edit Master title style</a:t>
             </a:r>
-            <a:endParaRPr lang="en-US"/>
           </a:p>
         </p:txBody>
       </p:sp>
@@ -1739,7 +1722,7 @@
           <a:p>
             <a:fld id="{7DF99CB8-1861-4D58-80E9-97AC97A2BDB3}" type="datetimeFigureOut">
               <a:rPr lang="en-US" smtClean="0"/>
-              <a:t>1/19/2018</a:t>
+              <a:t>1/25/2018</a:t>
             </a:fld>
             <a:endParaRPr lang="en-US"/>
           </a:p>
@@ -1834,7 +1817,7 @@
           <a:p>
             <a:fld id="{7DF99CB8-1861-4D58-80E9-97AC97A2BDB3}" type="datetimeFigureOut">
               <a:rPr lang="en-US" smtClean="0"/>
-              <a:t>1/19/2018</a:t>
+              <a:t>1/25/2018</a:t>
             </a:fld>
             <a:endParaRPr lang="en-US"/>
           </a:p>
@@ -1940,7 +1923,6 @@
               <a:rPr lang="en-US"/>
               <a:t>Click to edit Master title style</a:t>
             </a:r>
-            <a:endParaRPr lang="en-US"/>
           </a:p>
         </p:txBody>
       </p:sp>
@@ -2025,7 +2007,6 @@
               <a:rPr lang="en-US"/>
               <a:t>Fifth level</a:t>
             </a:r>
-            <a:endParaRPr lang="en-US"/>
           </a:p>
         </p:txBody>
       </p:sp>
@@ -2111,7 +2092,7 @@
           <a:p>
             <a:fld id="{7DF99CB8-1861-4D58-80E9-97AC97A2BDB3}" type="datetimeFigureOut">
               <a:rPr lang="en-US" smtClean="0"/>
-              <a:t>1/19/2018</a:t>
+              <a:t>1/25/2018</a:t>
             </a:fld>
             <a:endParaRPr lang="en-US"/>
           </a:p>
@@ -2217,7 +2198,6 @@
               <a:rPr lang="en-US"/>
               <a:t>Click to edit Master title style</a:t>
             </a:r>
-            <a:endParaRPr lang="en-US"/>
           </a:p>
         </p:txBody>
       </p:sp>
@@ -2364,7 +2344,7 @@
           <a:p>
             <a:fld id="{7DF99CB8-1861-4D58-80E9-97AC97A2BDB3}" type="datetimeFigureOut">
               <a:rPr lang="en-US" smtClean="0"/>
-              <a:t>1/19/2018</a:t>
+              <a:t>1/25/2018</a:t>
             </a:fld>
             <a:endParaRPr lang="en-US"/>
           </a:p>
@@ -2476,7 +2456,6 @@
               <a:rPr lang="en-US"/>
               <a:t>Click to edit Master title style</a:t>
             </a:r>
-            <a:endParaRPr lang="en-US"/>
           </a:p>
         </p:txBody>
       </p:sp>
@@ -2538,7 +2517,6 @@
               <a:rPr lang="en-US"/>
               <a:t>Fifth level</a:t>
             </a:r>
-            <a:endParaRPr lang="en-US"/>
           </a:p>
         </p:txBody>
       </p:sp>
@@ -2577,7 +2555,7 @@
           <a:p>
             <a:fld id="{7DF99CB8-1861-4D58-80E9-97AC97A2BDB3}" type="datetimeFigureOut">
               <a:rPr lang="en-US" smtClean="0"/>
-              <a:t>1/19/2018</a:t>
+              <a:t>1/25/2018</a:t>
             </a:fld>
             <a:endParaRPr lang="en-US"/>
           </a:p>
@@ -3100,12 +3078,21 @@
         </p:nvSpPr>
         <p:spPr/>
         <p:txBody>
-          <a:bodyPr/>
+          <a:bodyPr>
+            <a:normAutofit lnSpcReduction="10000"/>
+          </a:bodyPr>
           <a:lstStyle/>
           <a:p>
             <a:r>
               <a:rPr lang="en-US" dirty="0"/>
-              <a:t>Lesson 9 – Statistics</a:t>
+              <a:t>Lesson 9 – Statistics </a:t>
+            </a:r>
+          </a:p>
+          <a:p>
+            <a:pPr lvl="1"/>
+            <a:r>
+              <a:rPr lang="en-US" dirty="0"/>
+              <a:t>practice functions</a:t>
             </a:r>
           </a:p>
           <a:p>
@@ -3115,24 +3102,68 @@
             </a:r>
           </a:p>
           <a:p>
+            <a:pPr lvl="1"/>
             <a:r>
               <a:rPr lang="en-US" dirty="0"/>
-              <a:t>Lesson 11 – Introduction to Classes (object oriented programing)</a:t>
-            </a:r>
-          </a:p>
-          <a:p>
+              <a:t>iterators for dictionaries</a:t>
+            </a:r>
+          </a:p>
+          <a:p>
+            <a:pPr lvl="2"/>
             <a:r>
               <a:rPr lang="en-US" dirty="0"/>
-              <a:t>Lesson 12 – File </a:t>
+              <a:t>.items</a:t>
+            </a:r>
+          </a:p>
+          <a:p>
+            <a:pPr lvl="2"/>
+            <a:r>
+              <a:rPr lang="en-US" dirty="0"/>
+              <a:t>.keys()</a:t>
+            </a:r>
+          </a:p>
+          <a:p>
+            <a:pPr lvl="2"/>
+            <a:r>
+              <a:rPr lang="en-US" dirty="0"/>
+              <a:t>.values()</a:t>
+            </a:r>
+          </a:p>
+          <a:p>
+            <a:pPr lvl="1"/>
+            <a:r>
+              <a:rPr lang="en-US" dirty="0"/>
+              <a:t>single line list comprehension (</a:t>
             </a:r>
             <a:r>
               <a:rPr lang="en-US" dirty="0" err="1"/>
-              <a:t>Input/Output</a:t>
-            </a:r>
-            <a:endParaRPr lang="en-US" dirty="0"/>
-          </a:p>
-          <a:p>
-            <a:endParaRPr lang="en-US" dirty="0"/>
+              <a:t>arcpy.ListFields</a:t>
+            </a:r>
+            <a:r>
+              <a:rPr lang="en-US" dirty="0"/>
+              <a:t> example)</a:t>
+            </a:r>
+          </a:p>
+          <a:p>
+            <a:pPr lvl="1"/>
+            <a:r>
+              <a:rPr lang="en-US" dirty="0"/>
+              <a:t>index start point and stride</a:t>
+            </a:r>
+          </a:p>
+          <a:p>
+            <a:pPr lvl="1"/>
+            <a:r>
+              <a:rPr lang="en-US" dirty="0"/>
+              <a:t>lambda (functional programing)</a:t>
+            </a:r>
+          </a:p>
+          <a:p>
+            <a:pPr lvl="1"/>
+            <a:r>
+              <a:rPr lang="en-US" dirty="0"/>
+              <a:t>binary/bitwise, bin()</a:t>
+            </a:r>
           </a:p>
         </p:txBody>
       </p:sp>
@@ -3140,169 +3171,6 @@
     <p:extLst>
       <p:ext uri="{BB962C8B-B14F-4D97-AF65-F5344CB8AC3E}">
         <p14:creationId xmlns:p14="http://schemas.microsoft.com/office/powerpoint/2010/main" val="2309957317"/>
-      </p:ext>
-    </p:extLst>
-  </p:cSld>
-  <p:clrMapOvr>
-    <a:masterClrMapping/>
-  </p:clrMapOvr>
-</p:sld>
-</file>
-
-<file path=ppt/slides/slide3.xml><?xml version="1.0" encoding="utf-8"?>
-<p:sld xmlns:a="http://schemas.openxmlformats.org/drawingml/2006/main" xmlns:r="http://schemas.openxmlformats.org/officeDocument/2006/relationships" xmlns:p="http://schemas.openxmlformats.org/presentationml/2006/main">
-  <p:cSld>
-    <p:spTree>
-      <p:nvGrpSpPr>
-        <p:cNvPr id="1" name=""/>
-        <p:cNvGrpSpPr/>
-        <p:nvPr/>
-      </p:nvGrpSpPr>
-      <p:grpSpPr>
-        <a:xfrm>
-          <a:off x="0" y="0"/>
-          <a:ext cx="0" cy="0"/>
-          <a:chOff x="0" y="0"/>
-          <a:chExt cx="0" cy="0"/>
-        </a:xfrm>
-      </p:grpSpPr>
-      <p:sp>
-        <p:nvSpPr>
-          <p:cNvPr id="2" name="Title 1"/>
-          <p:cNvSpPr>
-            <a:spLocks noGrp="1"/>
-          </p:cNvSpPr>
-          <p:nvPr>
-            <p:ph type="title"/>
-          </p:nvPr>
-        </p:nvSpPr>
-        <p:spPr/>
-        <p:txBody>
-          <a:bodyPr/>
-          <a:lstStyle/>
-          <a:p>
-            <a:r>
-              <a:rPr lang="en-US" dirty="0"/>
-              <a:t>Workgroup 5</a:t>
-            </a:r>
-          </a:p>
-        </p:txBody>
-      </p:sp>
-      <p:sp>
-        <p:nvSpPr>
-          <p:cNvPr id="3" name="Content Placeholder 2"/>
-          <p:cNvSpPr>
-            <a:spLocks noGrp="1"/>
-          </p:cNvSpPr>
-          <p:nvPr>
-            <p:ph idx="1"/>
-          </p:nvPr>
-        </p:nvSpPr>
-        <p:spPr/>
-        <p:txBody>
-          <a:bodyPr>
-            <a:normAutofit fontScale="62500" lnSpcReduction="20000"/>
-          </a:bodyPr>
-          <a:lstStyle/>
-          <a:p>
-            <a:r>
-              <a:rPr lang="en-US" dirty="0"/>
-              <a:t>List manipulation (zip, set, split, etc)</a:t>
-            </a:r>
-          </a:p>
-          <a:p>
-            <a:r>
-              <a:rPr lang="en-US" dirty="0"/>
-              <a:t>cursors</a:t>
-            </a:r>
-          </a:p>
-          <a:p>
-            <a:r>
-              <a:rPr lang="en-US" dirty="0"/>
-              <a:t>geometry objects</a:t>
-            </a:r>
-          </a:p>
-          <a:p>
-            <a:r>
-              <a:rPr lang="en-US" dirty="0" err="1"/>
-              <a:t>numpy</a:t>
-            </a:r>
-            <a:endParaRPr lang="en-US" dirty="0"/>
-          </a:p>
-          <a:p>
-            <a:r>
-              <a:rPr lang="en-US" dirty="0"/>
-              <a:t>pandas</a:t>
-            </a:r>
-          </a:p>
-          <a:p>
-            <a:r>
-              <a:rPr lang="en-US" dirty="0" err="1"/>
-              <a:t>scipy</a:t>
-            </a:r>
-            <a:endParaRPr lang="en-US" dirty="0"/>
-          </a:p>
-          <a:p>
-            <a:r>
-              <a:rPr lang="en-US" dirty="0"/>
-              <a:t>.</a:t>
-            </a:r>
-            <a:r>
-              <a:rPr lang="en-US" dirty="0" err="1"/>
-              <a:t>pyt</a:t>
-            </a:r>
-            <a:r>
-              <a:rPr lang="en-US" dirty="0"/>
-              <a:t> tools</a:t>
-            </a:r>
-          </a:p>
-          <a:p>
-            <a:r>
-              <a:rPr lang="en-US" dirty="0" err="1"/>
-              <a:t>arcpy.mapping</a:t>
-            </a:r>
-            <a:endParaRPr lang="en-US" dirty="0"/>
-          </a:p>
-          <a:p>
-            <a:r>
-              <a:rPr lang="en-US" dirty="0" err="1"/>
-              <a:t>qgis</a:t>
-            </a:r>
-            <a:endParaRPr lang="en-US" dirty="0"/>
-          </a:p>
-          <a:p>
-            <a:r>
-              <a:rPr lang="en-US" dirty="0"/>
-              <a:t>HTTPS requests</a:t>
-            </a:r>
-          </a:p>
-          <a:p>
-            <a:r>
-              <a:rPr lang="en-US" dirty="0"/>
-              <a:t>web map services</a:t>
-            </a:r>
-          </a:p>
-          <a:p>
-            <a:r>
-              <a:rPr lang="en-US" dirty="0"/>
-              <a:t>web scraping</a:t>
-            </a:r>
-          </a:p>
-          <a:p>
-            <a:r>
-              <a:rPr lang="en-US" dirty="0"/>
-              <a:t>Other topics of interest?</a:t>
-            </a:r>
-          </a:p>
-          <a:p>
-            <a:endParaRPr lang="en-US" dirty="0"/>
-          </a:p>
-        </p:txBody>
-      </p:sp>
-    </p:spTree>
-    <p:extLst>
-      <p:ext uri="{BB962C8B-B14F-4D97-AF65-F5344CB8AC3E}">
-        <p14:creationId xmlns:p14="http://schemas.microsoft.com/office/powerpoint/2010/main" val="703552779"/>
       </p:ext>
     </p:extLst>
   </p:cSld>
@@ -3621,8 +3489,22 @@
 </EsriMapsInfo>
 </file>
 
+<file path=customXml/item3.xml><?xml version="1.0" encoding="utf-8"?>
+<EsriMapsInfo xmlns="ESRI.ArcGIS.Mapping.OfficeIntegration.PowerPointInfo">
+  <Version>Version1</Version>
+  <RequiresSignIn>False</RequiresSignIn>
+</EsriMapsInfo>
+</file>
+
+<file path=customXml/item4.xml><?xml version="1.0" encoding="utf-8"?>
+<EsriMapsInfo xmlns="ESRI.ArcGIS.Mapping.OfficeIntegration.PowerPointInfo">
+  <Version>Version1</Version>
+  <RequiresSignIn>False</RequiresSignIn>
+</EsriMapsInfo>
+</file>
+
 <file path=customXml/itemProps1.xml><?xml version="1.0" encoding="utf-8"?>
-<ds:datastoreItem xmlns:ds="http://schemas.openxmlformats.org/officeDocument/2006/customXml" ds:itemID="{4930FF47-DC4A-4A07-B374-416D4EDE1B5F}">
+<ds:datastoreItem xmlns:ds="http://schemas.openxmlformats.org/officeDocument/2006/customXml" ds:itemID="{B2D9393D-7160-4E69-BDDE-0E149A3E57F4}">
   <ds:schemaRefs>
     <ds:schemaRef ds:uri="ESRI.ArcGIS.Mapping.OfficeIntegration.PowerPointInfo"/>
   </ds:schemaRefs>
@@ -3630,7 +3512,23 @@
 </file>
 
 <file path=customXml/itemProps2.xml><?xml version="1.0" encoding="utf-8"?>
-<ds:datastoreItem xmlns:ds="http://schemas.openxmlformats.org/officeDocument/2006/customXml" ds:itemID="{B2D9393D-7160-4E69-BDDE-0E149A3E57F4}">
+<ds:datastoreItem xmlns:ds="http://schemas.openxmlformats.org/officeDocument/2006/customXml" ds:itemID="{23BE8F6F-7889-43CA-98B6-B37A04F3446C}">
+  <ds:schemaRefs>
+    <ds:schemaRef ds:uri="ESRI.ArcGIS.Mapping.OfficeIntegration.PowerPointInfo"/>
+  </ds:schemaRefs>
+</ds:datastoreItem>
+</file>
+
+<file path=customXml/itemProps3.xml><?xml version="1.0" encoding="utf-8"?>
+<ds:datastoreItem xmlns:ds="http://schemas.openxmlformats.org/officeDocument/2006/customXml" ds:itemID="{C5934296-F7E3-45A9-9A87-3DF0F770AE89}">
+  <ds:schemaRefs>
+    <ds:schemaRef ds:uri="ESRI.ArcGIS.Mapping.OfficeIntegration.PowerPointInfo"/>
+  </ds:schemaRefs>
+</ds:datastoreItem>
+</file>
+
+<file path=customXml/itemProps4.xml><?xml version="1.0" encoding="utf-8"?>
+<ds:datastoreItem xmlns:ds="http://schemas.openxmlformats.org/officeDocument/2006/customXml" ds:itemID="{BDE172CB-5E9D-4D00-B24E-9C942A399BBA}">
   <ds:schemaRefs>
     <ds:schemaRef ds:uri="ESRI.ArcGIS.Mapping.OfficeIntegration.PowerPointInfo"/>
   </ds:schemaRefs>
